--- a/1HUST-Theme-PPT/v1顶边4-3.pptx
+++ b/1HUST-Theme-PPT/v1顶边4-3.pptx
@@ -222,7 +222,7 @@
           <a:p>
             <a:fld id="{D6B6AF6C-110C-41AE-9FA9-A82250C7089D}" type="datetimeFigureOut">
               <a:rPr lang="zh-CN" altLang="en-US" smtClean="0"/>
-              <a:t>2026/1/18</a:t>
+              <a:t>2026/1/21</a:t>
             </a:fld>
             <a:endParaRPr lang="zh-CN" altLang="en-US"/>
           </a:p>
@@ -399,7 +399,7 @@
           <a:p>
             <a:fld id="{6F99673D-D7DD-324D-BAE5-739AF5E90082}" type="datetimeFigureOut">
               <a:rPr kumimoji="1" lang="zh-CN" altLang="en-US" smtClean="0"/>
-              <a:t>2026/1/18</a:t>
+              <a:t>2026/1/21</a:t>
             </a:fld>
             <a:endParaRPr kumimoji="1" lang="zh-CN" altLang="en-US"/>
           </a:p>
@@ -1053,7 +1053,7 @@
             </a:pPr>
             <a:fld id="{E4551058-E5DB-324A-A8E9-6D3BEF243C3B}" type="datetimeFigureOut">
               <a:rPr kumimoji="1" lang="zh-CN" altLang="en-US" smtClean="0"/>
-              <a:t>2026/1/18</a:t>
+              <a:t>2026/1/21</a:t>
             </a:fld>
             <a:endParaRPr kumimoji="1" lang="zh-CN" altLang="en-US"/>
           </a:p>
@@ -1460,7 +1460,7 @@
             </a:pPr>
             <a:fld id="{E4551058-E5DB-324A-A8E9-6D3BEF243C3B}" type="datetimeFigureOut">
               <a:rPr kumimoji="1" lang="zh-CN" altLang="en-US" smtClean="0"/>
-              <a:t>2026/1/18</a:t>
+              <a:t>2026/1/21</a:t>
             </a:fld>
             <a:endParaRPr kumimoji="1" lang="zh-CN" altLang="en-US"/>
           </a:p>
@@ -1747,7 +1747,7 @@
             </a:pPr>
             <a:fld id="{E4551058-E5DB-324A-A8E9-6D3BEF243C3B}" type="datetimeFigureOut">
               <a:rPr kumimoji="1" lang="zh-CN" altLang="en-US" smtClean="0"/>
-              <a:t>2026/1/18</a:t>
+              <a:t>2026/1/21</a:t>
             </a:fld>
             <a:endParaRPr kumimoji="1" lang="zh-CN" altLang="en-US"/>
           </a:p>
@@ -2070,7 +2070,7 @@
             </a:pPr>
             <a:fld id="{E4551058-E5DB-324A-A8E9-6D3BEF243C3B}" type="datetimeFigureOut">
               <a:rPr kumimoji="1" lang="zh-CN" altLang="en-US" smtClean="0"/>
-              <a:t>2026/1/18</a:t>
+              <a:t>2026/1/21</a:t>
             </a:fld>
             <a:endParaRPr kumimoji="1" lang="zh-CN" altLang="en-US"/>
           </a:p>
@@ -2378,7 +2378,7 @@
             </a:pPr>
             <a:fld id="{E4551058-E5DB-324A-A8E9-6D3BEF243C3B}" type="datetimeFigureOut">
               <a:rPr kumimoji="1" lang="zh-CN" altLang="en-US" smtClean="0"/>
-              <a:t>2026/1/18</a:t>
+              <a:t>2026/1/21</a:t>
             </a:fld>
             <a:endParaRPr kumimoji="1" lang="zh-CN" altLang="en-US"/>
           </a:p>
@@ -2606,7 +2606,7 @@
             </a:pPr>
             <a:fld id="{E4551058-E5DB-324A-A8E9-6D3BEF243C3B}" type="datetimeFigureOut">
               <a:rPr kumimoji="1" lang="zh-CN" altLang="en-US" smtClean="0"/>
-              <a:t>2026/1/18</a:t>
+              <a:t>2026/1/21</a:t>
             </a:fld>
             <a:endParaRPr kumimoji="1" lang="zh-CN" altLang="en-US"/>
           </a:p>
@@ -3206,7 +3206,7 @@
             </a:pPr>
             <a:fld id="{E4551058-E5DB-324A-A8E9-6D3BEF243C3B}" type="datetimeFigureOut">
               <a:rPr kumimoji="1" lang="zh-CN" altLang="en-US" smtClean="0"/>
-              <a:t>2026/1/18</a:t>
+              <a:t>2026/1/21</a:t>
             </a:fld>
             <a:endParaRPr kumimoji="1" lang="zh-CN" altLang="en-US"/>
           </a:p>
@@ -3540,7 +3540,7 @@
             </a:pPr>
             <a:fld id="{E4551058-E5DB-324A-A8E9-6D3BEF243C3B}" type="datetimeFigureOut">
               <a:rPr kumimoji="1" lang="zh-CN" altLang="en-US" smtClean="0"/>
-              <a:t>2026/1/18</a:t>
+              <a:t>2026/1/21</a:t>
             </a:fld>
             <a:endParaRPr kumimoji="1" lang="zh-CN" altLang="en-US"/>
           </a:p>
@@ -4051,7 +4051,7 @@
             </a:pPr>
             <a:fld id="{E4551058-E5DB-324A-A8E9-6D3BEF243C3B}" type="datetimeFigureOut">
               <a:rPr kumimoji="1" lang="zh-CN" altLang="en-US" smtClean="0"/>
-              <a:t>2026/1/18</a:t>
+              <a:t>2026/1/21</a:t>
             </a:fld>
             <a:endParaRPr kumimoji="1" lang="zh-CN" altLang="en-US"/>
           </a:p>
@@ -4218,7 +4218,7 @@
             </a:pPr>
             <a:fld id="{E4551058-E5DB-324A-A8E9-6D3BEF243C3B}" type="datetimeFigureOut">
               <a:rPr kumimoji="1" lang="zh-CN" altLang="en-US" smtClean="0"/>
-              <a:t>2026/1/18</a:t>
+              <a:t>2026/1/21</a:t>
             </a:fld>
             <a:endParaRPr kumimoji="1" lang="zh-CN" altLang="en-US"/>
           </a:p>
@@ -4385,7 +4385,7 @@
             </a:pPr>
             <a:fld id="{E4551058-E5DB-324A-A8E9-6D3BEF243C3B}" type="datetimeFigureOut">
               <a:rPr kumimoji="1" lang="zh-CN" altLang="en-US" smtClean="0"/>
-              <a:t>2026/1/18</a:t>
+              <a:t>2026/1/21</a:t>
             </a:fld>
             <a:endParaRPr kumimoji="1" lang="zh-CN" altLang="en-US"/>
           </a:p>
@@ -4970,7 +4970,7 @@
             </a:pPr>
             <a:fld id="{E4551058-E5DB-324A-A8E9-6D3BEF243C3B}" type="datetimeFigureOut">
               <a:rPr kumimoji="1" lang="zh-CN" altLang="en-US" smtClean="0"/>
-              <a:t>2026/1/18</a:t>
+              <a:t>2026/1/21</a:t>
             </a:fld>
             <a:endParaRPr kumimoji="1" lang="zh-CN" altLang="en-US"/>
           </a:p>
@@ -5333,7 +5333,7 @@
             </a:pPr>
             <a:fld id="{E4551058-E5DB-324A-A8E9-6D3BEF243C3B}" type="datetimeFigureOut">
               <a:rPr kumimoji="1" lang="zh-CN" altLang="en-US" smtClean="0"/>
-              <a:t>2026/1/18</a:t>
+              <a:t>2026/1/21</a:t>
             </a:fld>
             <a:endParaRPr kumimoji="1" lang="zh-CN" altLang="en-US"/>
           </a:p>
@@ -5964,7 +5964,7 @@
         </p:nvSpPr>
         <p:spPr>
           <a:ln>
-            <a:solidFill/>
+            <a:noFill/>
           </a:ln>
         </p:spPr>
         <p:txBody>
@@ -5977,36 +5977,26 @@
               </a:defRPr>
             </a:pPr>
             <a:r>
-              <a:rPr kumimoji="1" lang="zh-CN" altLang="en-US" dirty="0">
-                <a:solidFill/>
-              </a:rPr>
+              <a:rPr kumimoji="1" lang="zh-CN" altLang="en-US"/>
               <a:t>华科简约主题</a:t>
             </a:r>
             <a:r>
-              <a:rPr kumimoji="1" lang="en-US" altLang="zh-CN" dirty="0">
-                <a:solidFill/>
-              </a:rPr>
+              <a:rPr kumimoji="1" lang="en-US" altLang="zh-CN"/>
               <a:t>PPT</a:t>
             </a:r>
             <a:r>
-              <a:rPr kumimoji="1" lang="zh-CN" altLang="en-US" dirty="0">
-                <a:solidFill/>
-              </a:rPr>
+              <a:rPr kumimoji="1" lang="zh-CN" altLang="en-US"/>
               <a:t>模板</a:t>
             </a:r>
             <a:br>
-              <a:rPr kumimoji="1" lang="en-US" altLang="zh-CN" dirty="0"/>
+              <a:rPr kumimoji="1" lang="en-US" altLang="zh-CN"/>
             </a:br>
             <a:r>
-              <a:rPr kumimoji="1" lang="zh-CN" altLang="en-US" dirty="0">
-                <a:solidFill/>
-              </a:rPr>
+              <a:rPr kumimoji="1" lang="zh-CN" altLang="en-US"/>
               <a:t>顶边风格 </a:t>
             </a:r>
             <a:r>
-              <a:rPr kumimoji="1" lang="en-US" altLang="zh-CN" dirty="0">
-                <a:solidFill/>
-              </a:rPr>
+              <a:rPr kumimoji="1" lang="en-US" altLang="zh-CN"/>
               <a:t>4:3</a:t>
             </a:r>
             <a:endParaRPr kumimoji="1" lang="zh-CN" altLang="en-US" dirty="0"/>
@@ -6031,7 +6021,7 @@
         </p:nvSpPr>
         <p:spPr>
           <a:ln>
-            <a:solidFill/>
+            <a:noFill/>
           </a:ln>
         </p:spPr>
         <p:txBody>
@@ -6046,53 +6036,53 @@
               </a:defRPr>
             </a:pPr>
             <a:r>
-              <a:rPr kumimoji="1" lang="en-US" altLang="zh-CN" dirty="0" err="1">
+              <a:rPr kumimoji="1" lang="en-US" altLang="zh-CN">
                 <a:solidFill/>
               </a:rPr>
               <a:t>zhul</a:t>
             </a:r>
-            <a:endParaRPr kumimoji="1" lang="en-US" altLang="zh-CN" dirty="0"/>
-          </a:p>
-          <a:p>
-            <a:pPr>
-              <a:defRPr>
-                <a:solidFill/>
-              </a:defRPr>
-            </a:pPr>
-            <a:r>
-              <a:rPr kumimoji="1" lang="zh-CN" altLang="en-US" dirty="0">
+            <a:endParaRPr kumimoji="1" lang="en-US" altLang="zh-CN"/>
+          </a:p>
+          <a:p>
+            <a:pPr>
+              <a:defRPr>
+                <a:solidFill/>
+              </a:defRPr>
+            </a:pPr>
+            <a:r>
+              <a:rPr kumimoji="1" lang="zh-CN" altLang="en-US">
                 <a:solidFill/>
               </a:rPr>
               <a:t>东五楼</a:t>
             </a:r>
-            <a:endParaRPr kumimoji="1" lang="en-US" altLang="zh-CN" dirty="0"/>
-          </a:p>
-          <a:p>
-            <a:pPr>
-              <a:defRPr>
-                <a:solidFill/>
-              </a:defRPr>
-            </a:pPr>
-            <a:r>
-              <a:rPr kumimoji="1" lang="en-US" altLang="zh-CN" dirty="0">
+            <a:endParaRPr kumimoji="1" lang="en-US" altLang="zh-CN"/>
+          </a:p>
+          <a:p>
+            <a:pPr>
+              <a:defRPr>
+                <a:solidFill/>
+              </a:defRPr>
+            </a:pPr>
+            <a:r>
+              <a:rPr kumimoji="1" lang="en-US" altLang="zh-CN">
                 <a:solidFill/>
               </a:rPr>
               <a:t>2026</a:t>
             </a:r>
             <a:r>
-              <a:rPr kumimoji="1" lang="zh-CN" altLang="en-US" dirty="0">
+              <a:rPr kumimoji="1" lang="zh-CN" altLang="en-US">
                 <a:solidFill/>
               </a:rPr>
               <a:t>年</a:t>
             </a:r>
             <a:r>
-              <a:rPr kumimoji="1" lang="en-US" altLang="zh-CN" dirty="0">
+              <a:rPr kumimoji="1" lang="en-US" altLang="zh-CN">
                 <a:solidFill/>
               </a:rPr>
               <a:t>1</a:t>
             </a:r>
             <a:r>
-              <a:rPr kumimoji="1" lang="zh-CN" altLang="en-US" dirty="0">
+              <a:rPr kumimoji="1" lang="zh-CN" altLang="en-US">
                 <a:solidFill/>
               </a:rPr>
               <a:t>月</a:t>
@@ -6101,13 +6091,7 @@
               <a:rPr kumimoji="1" lang="en-US" altLang="zh-CN">
                 <a:solidFill/>
               </a:rPr>
-              <a:t>1</a:t>
-            </a:r>
-            <a:r>
-              <a:rPr kumimoji="1" lang="en-US" altLang="zh-CN" dirty="0">
-                <a:solidFill/>
-              </a:rPr>
-              <a:t>8</a:t>
+              <a:t>18</a:t>
             </a:r>
             <a:r>
               <a:rPr kumimoji="1" lang="zh-CN" altLang="en-US">
@@ -6175,7 +6159,7 @@
         </p:nvSpPr>
         <p:spPr>
           <a:ln>
-            <a:solidFill/>
+            <a:noFill/>
           </a:ln>
         </p:spPr>
         <p:txBody>
@@ -6188,11 +6172,10 @@
               </a:defRPr>
             </a:pPr>
             <a:r>
-              <a:rPr kumimoji="1" lang="zh-CN" altLang="en-US" dirty="0">
-                <a:solidFill/>
-              </a:rPr>
+              <a:rPr kumimoji="1" lang="zh-CN" altLang="en-US"/>
               <a:t>目录</a:t>
             </a:r>
+            <a:endParaRPr kumimoji="1" lang="zh-CN" altLang="en-US" dirty="0"/>
           </a:p>
         </p:txBody>
       </p:sp>
@@ -6214,7 +6197,7 @@
         </p:nvSpPr>
         <p:spPr>
           <a:ln>
-            <a:solidFill/>
+            <a:noFill/>
           </a:ln>
         </p:spPr>
         <p:txBody>
@@ -6227,53 +6210,56 @@
               </a:defRPr>
             </a:pPr>
             <a:r>
-              <a:rPr kumimoji="1" lang="zh-CN" altLang="en-US" dirty="0">
+              <a:rPr kumimoji="1" lang="zh-CN" altLang="en-US">
                 <a:solidFill/>
               </a:rPr>
               <a:t>这里可以写你的目录内容</a:t>
             </a:r>
-            <a:endParaRPr kumimoji="1" lang="en-US" altLang="zh-CN" dirty="0"/>
-          </a:p>
-          <a:p>
-            <a:pPr>
-              <a:defRPr>
-                <a:solidFill/>
-              </a:defRPr>
-            </a:pPr>
-            <a:r>
-              <a:rPr kumimoji="1" lang="zh-CN" altLang="en-US" dirty="0">
+            <a:endParaRPr kumimoji="1" lang="en-US" altLang="zh-CN"/>
+          </a:p>
+          <a:p>
+            <a:pPr>
+              <a:defRPr>
+                <a:solidFill/>
+              </a:defRPr>
+            </a:pPr>
+            <a:r>
+              <a:rPr kumimoji="1" lang="zh-CN" altLang="en-US">
                 <a:solidFill/>
               </a:rPr>
               <a:t>一</a:t>
             </a:r>
-            <a:endParaRPr kumimoji="1" lang="en-US" altLang="zh-CN" dirty="0"/>
-          </a:p>
-          <a:p>
-            <a:pPr>
-              <a:defRPr>
-                <a:solidFill/>
-              </a:defRPr>
-            </a:pPr>
-            <a:r>
-              <a:rPr kumimoji="1" lang="zh-CN" altLang="en-US" dirty="0">
+            <a:endParaRPr kumimoji="1" lang="en-US" altLang="zh-CN"/>
+          </a:p>
+          <a:p>
+            <a:pPr>
+              <a:defRPr>
+                <a:solidFill/>
+              </a:defRPr>
+            </a:pPr>
+            <a:r>
+              <a:rPr kumimoji="1" lang="zh-CN" altLang="en-US">
                 <a:solidFill/>
               </a:rPr>
               <a:t>二</a:t>
             </a:r>
-            <a:endParaRPr kumimoji="1" lang="en-US" altLang="zh-CN" dirty="0"/>
-          </a:p>
-          <a:p>
-            <a:pPr>
-              <a:defRPr>
-                <a:solidFill/>
-              </a:defRPr>
-            </a:pPr>
-            <a:r>
-              <a:rPr kumimoji="1" lang="zh-CN" altLang="en-US" dirty="0">
+            <a:endParaRPr kumimoji="1" lang="en-US" altLang="zh-CN"/>
+          </a:p>
+          <a:p>
+            <a:pPr>
+              <a:defRPr>
+                <a:solidFill/>
+              </a:defRPr>
+            </a:pPr>
+            <a:r>
+              <a:rPr kumimoji="1" lang="zh-CN" altLang="en-US">
                 <a:solidFill/>
               </a:rPr>
               <a:t>三</a:t>
             </a:r>
+            <a:endParaRPr kumimoji="1" lang="zh-CN" altLang="en-US" dirty="0">
+              <a:solidFill/>
+            </a:endParaRPr>
           </a:p>
         </p:txBody>
       </p:sp>
@@ -6331,7 +6317,7 @@
         </p:nvSpPr>
         <p:spPr>
           <a:ln>
-            <a:solidFill/>
+            <a:noFill/>
           </a:ln>
         </p:spPr>
         <p:txBody>
@@ -6510,7 +6496,7 @@
         </p:nvSpPr>
         <p:spPr>
           <a:ln>
-            <a:solidFill/>
+            <a:noFill/>
           </a:ln>
         </p:spPr>
         <p:txBody>
@@ -6585,7 +6571,7 @@
         </p:nvSpPr>
         <p:spPr>
           <a:ln>
-            <a:solidFill/>
+            <a:noFill/>
           </a:ln>
         </p:spPr>
         <p:txBody>
@@ -6625,7 +6611,7 @@
         </p:nvSpPr>
         <p:spPr>
           <a:ln>
-            <a:solidFill/>
+            <a:noFill/>
           </a:ln>
         </p:spPr>
         <p:txBody>
@@ -6738,7 +6724,7 @@
         </p:nvSpPr>
         <p:spPr>
           <a:ln>
-            <a:solidFill/>
+            <a:noFill/>
           </a:ln>
         </p:spPr>
         <p:txBody>
@@ -6778,7 +6764,7 @@
         </p:nvSpPr>
         <p:spPr>
           <a:ln>
-            <a:solidFill/>
+            <a:noFill/>
           </a:ln>
         </p:spPr>
         <p:txBody>
@@ -6958,7 +6944,7 @@
         </p:nvSpPr>
         <p:spPr>
           <a:ln>
-            <a:solidFill/>
+            <a:noFill/>
           </a:ln>
         </p:spPr>
         <p:txBody>
@@ -7036,7 +7022,7 @@
         </p:nvSpPr>
         <p:spPr>
           <a:ln>
-            <a:solidFill/>
+            <a:noFill/>
           </a:ln>
         </p:spPr>
         <p:txBody>
@@ -7075,7 +7061,7 @@
         </p:nvSpPr>
         <p:spPr>
           <a:ln>
-            <a:solidFill/>
+            <a:noFill/>
           </a:ln>
         </p:spPr>
         <p:txBody>
@@ -7150,7 +7136,7 @@
         </p:nvSpPr>
         <p:spPr>
           <a:ln>
-            <a:solidFill/>
+            <a:noFill/>
           </a:ln>
         </p:spPr>
         <p:txBody>
@@ -7189,7 +7175,7 @@
         </p:nvSpPr>
         <p:spPr>
           <a:ln>
-            <a:solidFill/>
+            <a:noFill/>
           </a:ln>
         </p:spPr>
         <p:txBody>
@@ -7271,7 +7257,7 @@
         </p:nvSpPr>
         <p:spPr>
           <a:ln>
-            <a:solidFill/>
+            <a:noFill/>
           </a:ln>
         </p:spPr>
         <p:txBody>
@@ -7310,7 +7296,7 @@
         </p:nvSpPr>
         <p:spPr>
           <a:ln>
-            <a:solidFill/>
+            <a:noFill/>
           </a:ln>
         </p:spPr>
         <p:txBody>
@@ -7399,7 +7385,7 @@
         </p:nvSpPr>
         <p:spPr>
           <a:ln>
-            <a:solidFill/>
+            <a:noFill/>
           </a:ln>
         </p:spPr>
         <p:txBody>
@@ -7438,7 +7424,7 @@
         </p:nvSpPr>
         <p:spPr>
           <a:ln>
-            <a:solidFill/>
+            <a:noFill/>
           </a:ln>
         </p:spPr>
         <p:txBody>
